--- a/presentation/Recidivism.pptx
+++ b/presentation/Recidivism.pptx
@@ -23,8 +23,8 @@
     <p:sldId id="321" r:id="rId14"/>
     <p:sldId id="323" r:id="rId15"/>
     <p:sldId id="324" r:id="rId16"/>
-    <p:sldId id="326" r:id="rId17"/>
-    <p:sldId id="325" r:id="rId18"/>
+    <p:sldId id="334" r:id="rId17"/>
+    <p:sldId id="335" r:id="rId18"/>
     <p:sldId id="332" r:id="rId19"/>
     <p:sldId id="327" r:id="rId20"/>
     <p:sldId id="328" r:id="rId21"/>
@@ -7893,7 +7893,7 @@
         <p:spPr>
           <a:xfrm>
             <a:off x="2522100" y="1294875"/>
-            <a:ext cx="5855700" cy="2093100"/>
+            <a:ext cx="5855700" cy="1440233"/>
           </a:xfrm>
           <a:prstGeom prst="rect">
             <a:avLst/>
@@ -7920,24 +7920,9 @@
                   <a:schemeClr val="dk1"/>
                 </a:solidFill>
               </a:rPr>
-              <a:t>RECIDIVISM TITLE PLACEHOLDER</a:t>
+              <a:t>PREDICTING RECIDIVISM</a:t>
             </a:r>
-            <a:br>
-              <a:rPr lang="en" sz="4500" dirty="0">
-                <a:solidFill>
-                  <a:schemeClr val="dk1"/>
-                </a:solidFill>
-              </a:rPr>
-            </a:br>
-            <a:r>
-              <a:rPr lang="en" sz="3700" b="0" dirty="0">
-                <a:solidFill>
-                  <a:srgbClr val="FFFFFF"/>
-                </a:solidFill>
-              </a:rPr>
-              <a:t>XXX</a:t>
-            </a:r>
-            <a:endParaRPr sz="3700" b="0" dirty="0">
+            <a:endParaRPr sz="3700" dirty="0">
               <a:solidFill>
                 <a:srgbClr val="FFFFFF"/>
               </a:solidFill>
@@ -7957,7 +7942,7 @@
         </p:nvSpPr>
         <p:spPr>
           <a:xfrm>
-            <a:off x="2522100" y="3387963"/>
+            <a:off x="2522100" y="2910590"/>
             <a:ext cx="4772100" cy="278400"/>
           </a:xfrm>
           <a:prstGeom prst="rect">
@@ -9487,7 +9472,7 @@
                 <a:ea typeface="Lato" panose="020F0502020204030203" pitchFamily="34" charset="0"/>
                 <a:cs typeface="Lato" panose="020F0502020204030203" pitchFamily="34" charset="0"/>
               </a:rPr>
-              <a:t>possess cannabis</a:t>
+              <a:t> possess cannabis</a:t>
             </a:r>
           </a:p>
         </p:txBody>
@@ -9603,7 +9588,7 @@
         </p:nvSpPr>
         <p:spPr>
           <a:xfrm>
-            <a:off x="304800" y="208061"/>
+            <a:off x="304800" y="386086"/>
             <a:ext cx="6386822" cy="733488"/>
           </a:xfrm>
           <a:prstGeom prst="rect">
@@ -9655,7 +9640,7 @@
         </p:nvSpPr>
         <p:spPr>
           <a:xfrm>
-            <a:off x="5979459" y="1270493"/>
+            <a:off x="6068471" y="1292320"/>
             <a:ext cx="2707341" cy="3293209"/>
           </a:xfrm>
           <a:prstGeom prst="rect">
@@ -9679,7 +9664,7 @@
                 <a:ea typeface="Lato" panose="020F0502020204030203" pitchFamily="34" charset="0"/>
                 <a:cs typeface="Lato" panose="020F0502020204030203" pitchFamily="34" charset="0"/>
               </a:rPr>
-              <a:t>Modeling with only age, gender, and county of indictment was unsuccessful (in what way).</a:t>
+              <a:t>Modeling with only age, gender, and county of indictment was unsuccessful.</a:t>
             </a:r>
           </a:p>
           <a:p>
@@ -9728,53 +9713,6 @@
           </a:p>
         </p:txBody>
       </p:sp>
-      <p:pic>
-        <p:nvPicPr>
-          <p:cNvPr id="5122" name="Picture 2">
-            <a:extLst>
-              <a:ext uri="{FF2B5EF4-FFF2-40B4-BE49-F238E27FC236}">
-                <a16:creationId xmlns:a16="http://schemas.microsoft.com/office/drawing/2014/main" id="{7E28A337-50DA-EFD1-77AA-E874235BC8FA}"/>
-              </a:ext>
-            </a:extLst>
-          </p:cNvPr>
-          <p:cNvPicPr>
-            <a:picLocks noChangeAspect="1" noChangeArrowheads="1"/>
-          </p:cNvPicPr>
-          <p:nvPr/>
-        </p:nvPicPr>
-        <p:blipFill>
-          <a:blip r:embed="rId2">
-            <a:extLst>
-              <a:ext uri="{28A0092B-C50C-407E-A947-70E740481C1C}">
-                <a14:useLocalDpi xmlns:a14="http://schemas.microsoft.com/office/drawing/2010/main" val="0"/>
-              </a:ext>
-            </a:extLst>
-          </a:blip>
-          <a:srcRect/>
-          <a:stretch>
-            <a:fillRect/>
-          </a:stretch>
-        </p:blipFill>
-        <p:spPr bwMode="auto">
-          <a:xfrm>
-            <a:off x="457200" y="1344707"/>
-            <a:ext cx="5025091" cy="3064080"/>
-          </a:xfrm>
-          <a:prstGeom prst="rect">
-            <a:avLst/>
-          </a:prstGeom>
-          <a:noFill/>
-          <a:extLst>
-            <a:ext uri="{909E8E84-426E-40DD-AFC4-6F175D3DCCD1}">
-              <a14:hiddenFill xmlns:a14="http://schemas.microsoft.com/office/drawing/2010/main">
-                <a:solidFill>
-                  <a:srgbClr val="FFFFFF"/>
-                </a:solidFill>
-              </a14:hiddenFill>
-            </a:ext>
-          </a:extLst>
-        </p:spPr>
-      </p:pic>
       <p:sp>
         <p:nvSpPr>
           <p:cNvPr id="6" name="TextBox 5">
@@ -9789,7 +9727,7 @@
         </p:nvSpPr>
         <p:spPr>
           <a:xfrm>
-            <a:off x="772698" y="950923"/>
+            <a:off x="802341" y="1292320"/>
             <a:ext cx="4394093" cy="338554"/>
           </a:xfrm>
           <a:prstGeom prst="rect">
@@ -9814,6 +9752,53 @@
           </a:p>
         </p:txBody>
       </p:sp>
+      <p:pic>
+        <p:nvPicPr>
+          <p:cNvPr id="1028" name="Picture 4">
+            <a:extLst>
+              <a:ext uri="{FF2B5EF4-FFF2-40B4-BE49-F238E27FC236}">
+                <a16:creationId xmlns:a16="http://schemas.microsoft.com/office/drawing/2014/main" id="{AF2BE11D-F65F-DCD2-C1A6-A78EDD215FCE}"/>
+              </a:ext>
+            </a:extLst>
+          </p:cNvPr>
+          <p:cNvPicPr>
+            <a:picLocks noChangeAspect="1" noChangeArrowheads="1"/>
+          </p:cNvPicPr>
+          <p:nvPr/>
+        </p:nvPicPr>
+        <p:blipFill>
+          <a:blip r:embed="rId2">
+            <a:extLst>
+              <a:ext uri="{28A0092B-C50C-407E-A947-70E740481C1C}">
+                <a14:useLocalDpi xmlns:a14="http://schemas.microsoft.com/office/drawing/2010/main" val="0"/>
+              </a:ext>
+            </a:extLst>
+          </a:blip>
+          <a:srcRect/>
+          <a:stretch>
+            <a:fillRect/>
+          </a:stretch>
+        </p:blipFill>
+        <p:spPr bwMode="auto">
+          <a:xfrm>
+            <a:off x="304800" y="1663242"/>
+            <a:ext cx="5389176" cy="2299487"/>
+          </a:xfrm>
+          <a:prstGeom prst="rect">
+            <a:avLst/>
+          </a:prstGeom>
+          <a:noFill/>
+          <a:extLst>
+            <a:ext uri="{909E8E84-426E-40DD-AFC4-6F175D3DCCD1}">
+              <a14:hiddenFill xmlns:a14="http://schemas.microsoft.com/office/drawing/2010/main">
+                <a:solidFill>
+                  <a:srgbClr val="FFFFFF"/>
+                </a:solidFill>
+              </a14:hiddenFill>
+            </a:ext>
+          </a:extLst>
+        </p:spPr>
+      </p:pic>
     </p:spTree>
     <p:extLst>
       <p:ext uri="{BB962C8B-B14F-4D97-AF65-F5344CB8AC3E}">
@@ -9862,7 +9847,7 @@
         </p:nvSpPr>
         <p:spPr>
           <a:xfrm>
-            <a:off x="304800" y="208061"/>
+            <a:off x="304800" y="386086"/>
             <a:ext cx="6386822" cy="733488"/>
           </a:xfrm>
           <a:prstGeom prst="rect">
@@ -9902,10 +9887,49 @@
       </p:sp>
       <p:sp>
         <p:nvSpPr>
-          <p:cNvPr id="5" name="TextBox 4">
+          <p:cNvPr id="6" name="TextBox 5">
             <a:extLst>
               <a:ext uri="{FF2B5EF4-FFF2-40B4-BE49-F238E27FC236}">
-                <a16:creationId xmlns:a16="http://schemas.microsoft.com/office/drawing/2014/main" id="{F290AE8D-890B-4F05-282B-A95B7E86FE9A}"/>
+                <a16:creationId xmlns:a16="http://schemas.microsoft.com/office/drawing/2014/main" id="{08C2DFF5-0564-D93F-79A6-FE121BB58C39}"/>
+              </a:ext>
+            </a:extLst>
+          </p:cNvPr>
+          <p:cNvSpPr txBox="1"/>
+          <p:nvPr/>
+        </p:nvSpPr>
+        <p:spPr>
+          <a:xfrm>
+            <a:off x="1390573" y="1344707"/>
+            <a:ext cx="3114204" cy="338554"/>
+          </a:xfrm>
+          <a:prstGeom prst="rect">
+            <a:avLst/>
+          </a:prstGeom>
+          <a:noFill/>
+        </p:spPr>
+        <p:txBody>
+          <a:bodyPr wrap="square" rtlCol="0">
+            <a:spAutoFit/>
+          </a:bodyPr>
+          <a:lstStyle/>
+          <a:p>
+            <a:r>
+              <a:rPr lang="en-US" sz="1600" b="1" dirty="0">
+                <a:latin typeface="Lato" panose="020F0502020204030203" pitchFamily="34" charset="0"/>
+                <a:ea typeface="Lato" panose="020F0502020204030203" pitchFamily="34" charset="0"/>
+                <a:cs typeface="Lato" panose="020F0502020204030203" pitchFamily="34" charset="0"/>
+              </a:rPr>
+              <a:t>Comprehensive Features Model</a:t>
+            </a:r>
+          </a:p>
+        </p:txBody>
+      </p:sp>
+      <p:sp>
+        <p:nvSpPr>
+          <p:cNvPr id="2" name="TextBox 1">
+            <a:extLst>
+              <a:ext uri="{FF2B5EF4-FFF2-40B4-BE49-F238E27FC236}">
+                <a16:creationId xmlns:a16="http://schemas.microsoft.com/office/drawing/2014/main" id="{5D2E757F-6752-F2D0-9BD5-8457687BDFEF}"/>
               </a:ext>
             </a:extLst>
           </p:cNvPr>
@@ -9987,51 +10011,12 @@
           </a:p>
         </p:txBody>
       </p:sp>
-      <p:sp>
-        <p:nvSpPr>
-          <p:cNvPr id="6" name="TextBox 5">
+      <p:pic>
+        <p:nvPicPr>
+          <p:cNvPr id="3" name="Picture 2">
             <a:extLst>
               <a:ext uri="{FF2B5EF4-FFF2-40B4-BE49-F238E27FC236}">
-                <a16:creationId xmlns:a16="http://schemas.microsoft.com/office/drawing/2014/main" id="{08C2DFF5-0564-D93F-79A6-FE121BB58C39}"/>
-              </a:ext>
-            </a:extLst>
-          </p:cNvPr>
-          <p:cNvSpPr txBox="1"/>
-          <p:nvPr/>
-        </p:nvSpPr>
-        <p:spPr>
-          <a:xfrm>
-            <a:off x="1431798" y="931939"/>
-            <a:ext cx="3079782" cy="338554"/>
-          </a:xfrm>
-          <a:prstGeom prst="rect">
-            <a:avLst/>
-          </a:prstGeom>
-          <a:noFill/>
-        </p:spPr>
-        <p:txBody>
-          <a:bodyPr wrap="square" rtlCol="0">
-            <a:spAutoFit/>
-          </a:bodyPr>
-          <a:lstStyle/>
-          <a:p>
-            <a:r>
-              <a:rPr lang="en-US" sz="1600" b="1" dirty="0">
-                <a:latin typeface="Lato" panose="020F0502020204030203" pitchFamily="34" charset="0"/>
-                <a:ea typeface="Lato" panose="020F0502020204030203" pitchFamily="34" charset="0"/>
-                <a:cs typeface="Lato" panose="020F0502020204030203" pitchFamily="34" charset="0"/>
-              </a:rPr>
-              <a:t>Comprehensive Features Model</a:t>
-            </a:r>
-          </a:p>
-        </p:txBody>
-      </p:sp>
-      <p:pic>
-        <p:nvPicPr>
-          <p:cNvPr id="7170" name="Picture 2">
-            <a:extLst>
-              <a:ext uri="{FF2B5EF4-FFF2-40B4-BE49-F238E27FC236}">
-                <a16:creationId xmlns:a16="http://schemas.microsoft.com/office/drawing/2014/main" id="{37BF032D-A784-60B3-F117-DF9646C2C848}"/>
+                <a16:creationId xmlns:a16="http://schemas.microsoft.com/office/drawing/2014/main" id="{15DEF42F-DE20-FCC9-F894-9209ECC66E2A}"/>
               </a:ext>
             </a:extLst>
           </p:cNvPr>
@@ -10055,8 +10040,8 @@
         </p:blipFill>
         <p:spPr bwMode="auto">
           <a:xfrm>
-            <a:off x="546847" y="1270493"/>
-            <a:ext cx="4849684" cy="3435281"/>
+            <a:off x="304800" y="1683261"/>
+            <a:ext cx="5285751" cy="2509657"/>
           </a:xfrm>
           <a:prstGeom prst="rect">
             <a:avLst/>
@@ -10076,7 +10061,7 @@
     </p:spTree>
     <p:extLst>
       <p:ext uri="{BB962C8B-B14F-4D97-AF65-F5344CB8AC3E}">
-        <p14:creationId xmlns:p14="http://schemas.microsoft.com/office/powerpoint/2010/main" val="2402449332"/>
+        <p14:creationId xmlns:p14="http://schemas.microsoft.com/office/powerpoint/2010/main" val="1952803372"/>
       </p:ext>
     </p:extLst>
   </p:cSld>
@@ -10121,7 +10106,7 @@
         </p:nvSpPr>
         <p:spPr>
           <a:xfrm>
-            <a:off x="304800" y="208061"/>
+            <a:off x="304800" y="386086"/>
             <a:ext cx="6386822" cy="733488"/>
           </a:xfrm>
           <a:prstGeom prst="rect">
@@ -10161,10 +10146,49 @@
       </p:sp>
       <p:sp>
         <p:nvSpPr>
-          <p:cNvPr id="5" name="TextBox 4">
+          <p:cNvPr id="6" name="TextBox 5">
             <a:extLst>
               <a:ext uri="{FF2B5EF4-FFF2-40B4-BE49-F238E27FC236}">
-                <a16:creationId xmlns:a16="http://schemas.microsoft.com/office/drawing/2014/main" id="{F290AE8D-890B-4F05-282B-A95B7E86FE9A}"/>
+                <a16:creationId xmlns:a16="http://schemas.microsoft.com/office/drawing/2014/main" id="{08C2DFF5-0564-D93F-79A6-FE121BB58C39}"/>
+              </a:ext>
+            </a:extLst>
+          </p:cNvPr>
+          <p:cNvSpPr txBox="1"/>
+          <p:nvPr/>
+        </p:nvSpPr>
+        <p:spPr>
+          <a:xfrm>
+            <a:off x="2101452" y="1344707"/>
+            <a:ext cx="1677307" cy="338554"/>
+          </a:xfrm>
+          <a:prstGeom prst="rect">
+            <a:avLst/>
+          </a:prstGeom>
+          <a:noFill/>
+        </p:spPr>
+        <p:txBody>
+          <a:bodyPr wrap="square" rtlCol="0">
+            <a:spAutoFit/>
+          </a:bodyPr>
+          <a:lstStyle/>
+          <a:p>
+            <a:r>
+              <a:rPr lang="en-US" sz="1600" b="1" dirty="0">
+                <a:latin typeface="Lato" panose="020F0502020204030203" pitchFamily="34" charset="0"/>
+                <a:ea typeface="Lato" panose="020F0502020204030203" pitchFamily="34" charset="0"/>
+                <a:cs typeface="Lato" panose="020F0502020204030203" pitchFamily="34" charset="0"/>
+              </a:rPr>
+              <a:t>Non-NLP Model</a:t>
+            </a:r>
+          </a:p>
+        </p:txBody>
+      </p:sp>
+      <p:sp>
+        <p:nvSpPr>
+          <p:cNvPr id="2" name="TextBox 1">
+            <a:extLst>
+              <a:ext uri="{FF2B5EF4-FFF2-40B4-BE49-F238E27FC236}">
+                <a16:creationId xmlns:a16="http://schemas.microsoft.com/office/drawing/2014/main" id="{5D2E757F-6752-F2D0-9BD5-8457687BDFEF}"/>
               </a:ext>
             </a:extLst>
           </p:cNvPr>
@@ -10174,14 +10198,14 @@
         <p:spPr>
           <a:xfrm>
             <a:off x="5979459" y="1344707"/>
-            <a:ext cx="2707341" cy="2554545"/>
+            <a:ext cx="2707341" cy="3046988"/>
           </a:xfrm>
           <a:prstGeom prst="rect">
             <a:avLst/>
           </a:prstGeom>
           <a:solidFill>
             <a:schemeClr val="accent2">
-              <a:alpha val="49649"/>
+              <a:alpha val="50000"/>
             </a:schemeClr>
           </a:solidFill>
         </p:spPr>
@@ -10197,7 +10221,7 @@
                 <a:ea typeface="Lato" panose="020F0502020204030203" pitchFamily="34" charset="0"/>
                 <a:cs typeface="Lato" panose="020F0502020204030203" pitchFamily="34" charset="0"/>
               </a:rPr>
-              <a:t>Another big increase in accuracy scores (why) with the extra engineered features and x modeling.</a:t>
+              <a:t>Significant jump in accuracy from the basic model, as various behavioral features are factored in. Specificity score leaves room for improvement.</a:t>
             </a:r>
           </a:p>
           <a:p>
@@ -10214,7 +10238,7 @@
                 <a:ea typeface="Lato" panose="020F0502020204030203" pitchFamily="34" charset="0"/>
                 <a:cs typeface="Lato" panose="020F0502020204030203" pitchFamily="34" charset="0"/>
               </a:rPr>
-              <a:t>Baseline accuracy: 0.61, before rebalancing</a:t>
+              <a:t>Baseline accuracy: 0.59</a:t>
             </a:r>
           </a:p>
           <a:p>
@@ -10231,17 +10255,27 @@
                 <a:ea typeface="Lato" panose="020F0502020204030203" pitchFamily="34" charset="0"/>
                 <a:cs typeface="Lato" panose="020F0502020204030203" pitchFamily="34" charset="0"/>
               </a:rPr>
-              <a:t>Best performing model: Neural Net, 86% accuracy.</a:t>
+              <a:t>Best performing model: Gradient Boost model, </a:t>
+            </a:r>
+          </a:p>
+          <a:p>
+            <a:r>
+              <a:rPr lang="en-US" sz="1600" b="1" dirty="0">
+                <a:latin typeface="Lato" panose="020F0502020204030203" pitchFamily="34" charset="0"/>
+                <a:ea typeface="Lato" panose="020F0502020204030203" pitchFamily="34" charset="0"/>
+                <a:cs typeface="Lato" panose="020F0502020204030203" pitchFamily="34" charset="0"/>
+              </a:rPr>
+              <a:t>88% accuracy.</a:t>
             </a:r>
           </a:p>
         </p:txBody>
       </p:sp>
       <p:pic>
         <p:nvPicPr>
-          <p:cNvPr id="5122" name="Picture 2">
+          <p:cNvPr id="4098" name="Picture 2">
             <a:extLst>
               <a:ext uri="{FF2B5EF4-FFF2-40B4-BE49-F238E27FC236}">
-                <a16:creationId xmlns:a16="http://schemas.microsoft.com/office/drawing/2014/main" id="{7E28A337-50DA-EFD1-77AA-E874235BC8FA}"/>
+                <a16:creationId xmlns:a16="http://schemas.microsoft.com/office/drawing/2014/main" id="{622E8B93-4BFE-154A-FE5E-D3A90B5A72E4}"/>
               </a:ext>
             </a:extLst>
           </p:cNvPr>
@@ -10265,8 +10299,8 @@
         </p:blipFill>
         <p:spPr bwMode="auto">
           <a:xfrm>
-            <a:off x="457200" y="1344707"/>
-            <a:ext cx="5025091" cy="3064080"/>
+            <a:off x="304800" y="1673057"/>
+            <a:ext cx="5270612" cy="2498407"/>
           </a:xfrm>
           <a:prstGeom prst="rect">
             <a:avLst/>
@@ -10283,49 +10317,10 @@
           </a:extLst>
         </p:spPr>
       </p:pic>
-      <p:sp>
-        <p:nvSpPr>
-          <p:cNvPr id="6" name="TextBox 5">
-            <a:extLst>
-              <a:ext uri="{FF2B5EF4-FFF2-40B4-BE49-F238E27FC236}">
-                <a16:creationId xmlns:a16="http://schemas.microsoft.com/office/drawing/2014/main" id="{08C2DFF5-0564-D93F-79A6-FE121BB58C39}"/>
-              </a:ext>
-            </a:extLst>
-          </p:cNvPr>
-          <p:cNvSpPr txBox="1"/>
-          <p:nvPr/>
-        </p:nvSpPr>
-        <p:spPr>
-          <a:xfrm>
-            <a:off x="2150687" y="973851"/>
-            <a:ext cx="1921959" cy="338554"/>
-          </a:xfrm>
-          <a:prstGeom prst="rect">
-            <a:avLst/>
-          </a:prstGeom>
-          <a:noFill/>
-        </p:spPr>
-        <p:txBody>
-          <a:bodyPr wrap="square" rtlCol="0">
-            <a:spAutoFit/>
-          </a:bodyPr>
-          <a:lstStyle/>
-          <a:p>
-            <a:r>
-              <a:rPr lang="en-US" sz="1600" b="1" dirty="0">
-                <a:latin typeface="Lato" panose="020F0502020204030203" pitchFamily="34" charset="0"/>
-                <a:ea typeface="Lato" panose="020F0502020204030203" pitchFamily="34" charset="0"/>
-                <a:cs typeface="Lato" panose="020F0502020204030203" pitchFamily="34" charset="0"/>
-              </a:rPr>
-              <a:t>Non-NLP Model</a:t>
-            </a:r>
-          </a:p>
-        </p:txBody>
-      </p:sp>
     </p:spTree>
     <p:extLst>
       <p:ext uri="{BB962C8B-B14F-4D97-AF65-F5344CB8AC3E}">
-        <p14:creationId xmlns:p14="http://schemas.microsoft.com/office/powerpoint/2010/main" val="445209735"/>
+        <p14:creationId xmlns:p14="http://schemas.microsoft.com/office/powerpoint/2010/main" val="1758585147"/>
       </p:ext>
     </p:extLst>
   </p:cSld>
@@ -10537,7 +10532,7 @@
                 <a:ea typeface="Lato" panose="020F0502020204030203" pitchFamily="34" charset="0"/>
                 <a:cs typeface="Lato" panose="020F0502020204030203" pitchFamily="34" charset="0"/>
               </a:rPr>
-              <a:t>In theory, yes. Our neural network model scored 86% in test accuracy, a 25% increase from the baseline.</a:t>
+              <a:t>In theory, yes. Our neural network model scored 88% in test accuracy, a 27% increase from the baseline.</a:t>
             </a:r>
           </a:p>
           <a:p>
@@ -14109,8 +14104,8 @@
         </p:nvSpPr>
         <p:spPr>
           <a:xfrm>
-            <a:off x="281400" y="1520168"/>
-            <a:ext cx="8581200" cy="3508653"/>
+            <a:off x="281400" y="1396718"/>
+            <a:ext cx="8773588" cy="3524042"/>
           </a:xfrm>
           <a:prstGeom prst="rect">
             <a:avLst/>
@@ -14138,7 +14133,7 @@
               <a:buAutoNum type="arabicPeriod" startAt="3"/>
             </a:pPr>
             <a:r>
-              <a:rPr lang="en-US" sz="1800" b="1" dirty="0">
+              <a:rPr lang="en-US" sz="1700" b="1" dirty="0">
                 <a:latin typeface="Lato" panose="020F0502020204030204" pitchFamily="34" charset="0"/>
               </a:rPr>
               <a:t>Increase access to educational programs and support for the incarcerated.</a:t>
@@ -14153,10 +14148,10 @@
               <a:buChar char="•"/>
             </a:pPr>
             <a:r>
-              <a:rPr lang="en-US" sz="1600" dirty="0">
+              <a:rPr lang="en-US" sz="1500" dirty="0">
                 <a:latin typeface="Lato" panose="020F0502020204030204" pitchFamily="34" charset="0"/>
               </a:rPr>
-              <a:t>Our analysis showed a 20% decrease in the likelihood of recidivism for those who were </a:t>
+              <a:t>Our analysis showed a 20% decrease in the likelihood of recidivism for those who had more than a high school education.</a:t>
             </a:r>
           </a:p>
           <a:p>
@@ -14168,20 +14163,20 @@
               <a:buChar char="•"/>
             </a:pPr>
             <a:r>
-              <a:rPr lang="en-US" sz="1600" dirty="0">
+              <a:rPr lang="en-US" sz="1500" dirty="0">
                 <a:latin typeface="Lato" panose="020F0502020204030204" pitchFamily="34" charset="0"/>
               </a:rPr>
               <a:t>According to the Bureau of Justice Statistics, there is a </a:t>
             </a:r>
             <a:r>
-              <a:rPr lang="en-US" sz="1600" dirty="0">
+              <a:rPr lang="en-US" sz="1500" dirty="0">
                 <a:latin typeface="Lato" panose="020F0502020204030204" pitchFamily="34" charset="0"/>
                 <a:hlinkClick r:id="rId3"/>
               </a:rPr>
               <a:t>43% reduction</a:t>
             </a:r>
             <a:r>
-              <a:rPr lang="en-US" sz="1600" dirty="0">
+              <a:rPr lang="en-US" sz="1500" dirty="0">
                 <a:latin typeface="Lato" panose="020F0502020204030204" pitchFamily="34" charset="0"/>
               </a:rPr>
               <a:t> in recidivism rates for individuals who participate in prison education programs. </a:t>
@@ -14196,23 +14191,23 @@
               <a:buChar char="•"/>
             </a:pPr>
             <a:r>
-              <a:rPr lang="en-US" sz="1600" dirty="0">
+              <a:rPr lang="en-US" sz="1500" dirty="0">
                 <a:latin typeface="Lato" panose="020F0502020204030204" pitchFamily="34" charset="0"/>
               </a:rPr>
               <a:t>Programs like </a:t>
             </a:r>
             <a:r>
-              <a:rPr lang="en-US" sz="1600" dirty="0">
+              <a:rPr lang="en-US" sz="1500" dirty="0">
                 <a:latin typeface="Lato" panose="020F0502020204030204" pitchFamily="34" charset="0"/>
                 <a:hlinkClick r:id="rId4"/>
               </a:rPr>
               <a:t>The Last Mile</a:t>
             </a:r>
             <a:r>
-              <a:rPr lang="en-US" sz="1600" dirty="0">
+              <a:rPr lang="en-US" sz="1500" dirty="0">
                 <a:latin typeface="Lato" panose="020F0502020204030204" pitchFamily="34" charset="0"/>
               </a:rPr>
-              <a:t> focus on education for workforce reentry, and have significantly reduced recidivism rates of their participants.</a:t>
+              <a:t> focus on education for workforce reentry, and have significantly reduced the recidivism rates of their participants.</a:t>
             </a:r>
           </a:p>
           <a:p>
@@ -14227,10 +14222,16 @@
               <a:buAutoNum type="arabicPeriod" startAt="4"/>
             </a:pPr>
             <a:r>
-              <a:rPr lang="en-US" sz="1800" b="1" dirty="0">
+              <a:rPr lang="en-US" sz="1700" b="1" dirty="0">
                 <a:latin typeface="Lato" panose="020F0502020204030204" pitchFamily="34" charset="0"/>
               </a:rPr>
-              <a:t>Improve rehabilitation services, such as mental health and substance abuse programs.  </a:t>
+              <a:t>Improve rehabilitation services, such as mental health and substance abuse programs. </a:t>
+            </a:r>
+            <a:r>
+              <a:rPr lang="en-US" sz="1600" b="1" dirty="0">
+                <a:latin typeface="Lato" panose="020F0502020204030204" pitchFamily="34" charset="0"/>
+              </a:rPr>
+              <a:t> </a:t>
             </a:r>
           </a:p>
           <a:p>
@@ -14242,16 +14243,23 @@
               <a:buChar char="•"/>
             </a:pPr>
             <a:r>
-              <a:rPr lang="en-US" sz="1600" dirty="0">
+              <a:rPr lang="en-US" sz="1500" dirty="0">
                 <a:latin typeface="Lato" panose="020F0502020204030204" pitchFamily="34" charset="0"/>
               </a:rPr>
-              <a:t>More than 60% of individuals with a history of mental illness do not receive mental health treatment </a:t>
+              <a:t>Individuals with a substance abuse and/or mental health disorder are about twice as likely to be </a:t>
             </a:r>
             <a:r>
-              <a:rPr lang="en-US" sz="1600">
+              <a:rPr lang="en-US" sz="1500" dirty="0">
+                <a:latin typeface="Lato" panose="020F0502020204030204" pitchFamily="34" charset="0"/>
+                <a:hlinkClick r:id="rId5"/>
+              </a:rPr>
+              <a:t>rearrested</a:t>
+            </a:r>
+            <a:r>
+              <a:rPr lang="en-US" sz="1500" dirty="0">
                 <a:latin typeface="Lato" panose="020F0502020204030204" pitchFamily="34" charset="0"/>
               </a:rPr>
-              <a:t>while incarcerated.</a:t>
+              <a:t> as opposed to those who have neither.</a:t>
             </a:r>
           </a:p>
           <a:p>
@@ -14263,21 +14271,24 @@
               <a:buChar char="•"/>
             </a:pPr>
             <a:r>
-              <a:rPr lang="en-US" sz="1600" dirty="0">
+              <a:rPr lang="en-US" sz="1500" dirty="0">
                 <a:latin typeface="Lato" panose="020F0502020204030204" pitchFamily="34" charset="0"/>
               </a:rPr>
-              <a:t>Because x, y, z. </a:t>
+              <a:t>More than 60% of individuals with a history of mental illness do not receive </a:t>
             </a:r>
             <a:r>
-              <a:rPr lang="en-US" sz="1600" dirty="0">
+              <a:rPr lang="en-US" sz="1500" dirty="0">
                 <a:latin typeface="Lato" panose="020F0502020204030204" pitchFamily="34" charset="0"/>
-                <a:hlinkClick r:id="rId5"/>
+                <a:hlinkClick r:id="rId6"/>
               </a:rPr>
-              <a:t>Effective reentry</a:t>
+              <a:t>treatment</a:t>
             </a:r>
-            <a:endParaRPr lang="en-US" sz="1600" b="1" dirty="0">
-              <a:latin typeface="Lato" panose="020F0502020204030204" pitchFamily="34" charset="0"/>
-            </a:endParaRPr>
+            <a:r>
+              <a:rPr lang="en-US" sz="1500" dirty="0">
+                <a:latin typeface="Lato" panose="020F0502020204030204" pitchFamily="34" charset="0"/>
+              </a:rPr>
+              <a:t> while incarcerated.</a:t>
+            </a:r>
           </a:p>
         </p:txBody>
       </p:sp>

--- a/presentation/Recidivism.pptx
+++ b/presentation/Recidivism.pptx
@@ -41,7 +41,7 @@
       <p:boldItalic r:id="rId27"/>
     </p:embeddedFont>
     <p:embeddedFont>
-      <p:font typeface="Lexend Deca" pitchFamily="2" charset="77"/>
+      <p:font typeface="Lexend Deca" panose="020B0604020202020204" charset="0"/>
       <p:regular r:id="rId28"/>
       <p:bold r:id="rId29"/>
     </p:embeddedFont>
@@ -9641,7 +9641,7 @@
         <p:spPr>
           <a:xfrm>
             <a:off x="6068471" y="1292320"/>
-            <a:ext cx="2707341" cy="3293209"/>
+            <a:ext cx="2707341" cy="2800767"/>
           </a:xfrm>
           <a:prstGeom prst="rect">
             <a:avLst/>
@@ -9698,7 +9698,7 @@
                 <a:ea typeface="Lato" panose="020F0502020204030203" pitchFamily="34" charset="0"/>
                 <a:cs typeface="Lato" panose="020F0502020204030203" pitchFamily="34" charset="0"/>
               </a:rPr>
-              <a:t>Best performing model: Stacked model using Random Forest, Gradient Boost, and Logistic Regression,</a:t>
+              <a:t>Best performing model: FNN with layers of 84, 64, and 32 neurons,</a:t>
             </a:r>
           </a:p>
           <a:p>
@@ -10238,7 +10238,7 @@
                 <a:ea typeface="Lato" panose="020F0502020204030203" pitchFamily="34" charset="0"/>
                 <a:cs typeface="Lato" panose="020F0502020204030203" pitchFamily="34" charset="0"/>
               </a:rPr>
-              <a:t>Baseline accuracy: 0.59</a:t>
+              <a:t>Baseline accuracy: 0.60</a:t>
             </a:r>
           </a:p>
           <a:p>
@@ -10532,7 +10532,7 @@
                 <a:ea typeface="Lato" panose="020F0502020204030203" pitchFamily="34" charset="0"/>
                 <a:cs typeface="Lato" panose="020F0502020204030203" pitchFamily="34" charset="0"/>
               </a:rPr>
-              <a:t>In theory, yes. Our neural network model scored 88% in test accuracy, a 27% increase from the baseline.</a:t>
+              <a:t>In theory, yes. Our criminal history model scored 88% in test accuracy, a 27% increase from the baseline.</a:t>
             </a:r>
           </a:p>
           <a:p>
@@ -15389,7 +15389,7 @@
               <a:rPr lang="en-US" sz="1800" b="1" dirty="0">
                 <a:latin typeface="Lato" panose="020F0502020204030204" pitchFamily="34" charset="0"/>
               </a:rPr>
-              <a:t>Florida: 11,000 observations with 25 features</a:t>
+              <a:t>Florida: 11,000 observations with 34 features</a:t>
             </a:r>
           </a:p>
           <a:p>

--- a/presentation/Recidivism.pptx
+++ b/presentation/Recidivism.pptx
@@ -41,7 +41,7 @@
       <p:boldItalic r:id="rId27"/>
     </p:embeddedFont>
     <p:embeddedFont>
-      <p:font typeface="Lexend Deca" panose="020B0604020202020204" charset="0"/>
+      <p:font typeface="Lexend Deca" pitchFamily="2" charset="77"/>
       <p:regular r:id="rId28"/>
       <p:bold r:id="rId29"/>
     </p:embeddedFont>
@@ -9226,13 +9226,17 @@
         </p:nvSpPr>
         <p:spPr>
           <a:xfrm>
-            <a:off x="304800" y="1196907"/>
-            <a:ext cx="2563906" cy="338554"/>
+            <a:off x="304800" y="1196906"/>
+            <a:ext cx="2788024" cy="3293209"/>
           </a:xfrm>
           <a:prstGeom prst="rect">
             <a:avLst/>
           </a:prstGeom>
-          <a:noFill/>
+          <a:solidFill>
+            <a:schemeClr val="accent2">
+              <a:alpha val="50000"/>
+            </a:schemeClr>
+          </a:solidFill>
         </p:spPr>
         <p:txBody>
           <a:bodyPr wrap="square" rtlCol="0">
@@ -9242,13 +9246,57 @@
           <a:p>
             <a:r>
               <a:rPr lang="en-US" sz="1600" b="0" i="0" u="none" strike="noStrike" dirty="0">
-                <a:solidFill>
-                  <a:srgbClr val="000000"/>
-                </a:solidFill>
                 <a:effectLst/>
                 <a:latin typeface="Lato" panose="020F0502020204030203" pitchFamily="34" charset="0"/>
+                <a:ea typeface="Lato" panose="020F0502020204030203" pitchFamily="34" charset="0"/>
+                <a:cs typeface="Lato" panose="020F0502020204030203" pitchFamily="34" charset="0"/>
               </a:rPr>
-              <a:t>Add interpretations here</a:t>
+              <a:t>We ran NLP on the Florida dataset and found these to be the most commonly-used bigrams in the charge descriptions.</a:t>
+            </a:r>
+          </a:p>
+          <a:p>
+            <a:endParaRPr lang="en-US" sz="1600" dirty="0">
+              <a:latin typeface="Lato" panose="020F0502020204030203" pitchFamily="34" charset="0"/>
+              <a:ea typeface="Lato" panose="020F0502020204030203" pitchFamily="34" charset="0"/>
+              <a:cs typeface="Lato" panose="020F0502020204030203" pitchFamily="34" charset="0"/>
+            </a:endParaRPr>
+          </a:p>
+          <a:p>
+            <a:r>
+              <a:rPr lang="en-US" sz="1600" b="0" i="0" dirty="0">
+                <a:effectLst/>
+                <a:latin typeface="Lato" panose="020F0502020204030203" pitchFamily="34" charset="0"/>
+                <a:ea typeface="Lato" panose="020F0502020204030203" pitchFamily="34" charset="0"/>
+                <a:cs typeface="Lato" panose="020F0502020204030203" pitchFamily="34" charset="0"/>
+              </a:rPr>
+              <a:t>As we might expect, the majority of charges indicated by these top 10 are </a:t>
+            </a:r>
+            <a:r>
+              <a:rPr lang="en-US" sz="1600" b="1" i="0" dirty="0">
+                <a:effectLst/>
+                <a:latin typeface="Lato" panose="020F0502020204030203" pitchFamily="34" charset="0"/>
+                <a:ea typeface="Lato" panose="020F0502020204030203" pitchFamily="34" charset="0"/>
+                <a:cs typeface="Lato" panose="020F0502020204030203" pitchFamily="34" charset="0"/>
+              </a:rPr>
+              <a:t>for</a:t>
+            </a:r>
+            <a:r>
+              <a:rPr lang="en-US" sz="1600" b="0" i="0" dirty="0">
+                <a:effectLst/>
+                <a:latin typeface="Lato" panose="020F0502020204030203" pitchFamily="34" charset="0"/>
+                <a:ea typeface="Lato" panose="020F0502020204030203" pitchFamily="34" charset="0"/>
+                <a:cs typeface="Lato" panose="020F0502020204030203" pitchFamily="34" charset="0"/>
+              </a:rPr>
+              <a:t> </a:t>
+            </a:r>
+            <a:r>
+              <a:rPr lang="en-US" sz="1600" b="1" i="0" dirty="0">
+                <a:effectLst/>
+                <a:latin typeface="Lato" panose="020F0502020204030203" pitchFamily="34" charset="0"/>
+                <a:ea typeface="Lato" panose="020F0502020204030203" pitchFamily="34" charset="0"/>
+                <a:cs typeface="Lato" panose="020F0502020204030203" pitchFamily="34" charset="0"/>
+              </a:rPr>
+              <a:t>minor offenses such as 3rd-degree crimes, suspended driver's licenses and cannabis possession.</a:t>
             </a:r>
             <a:endParaRPr lang="en-US" sz="1600" b="1" dirty="0">
               <a:latin typeface="Lato" panose="020F0502020204030203" pitchFamily="34" charset="0"/>
@@ -15649,10 +15697,10 @@
       </p:sp>
       <p:pic>
         <p:nvPicPr>
-          <p:cNvPr id="7" name="Picture 6">
+          <p:cNvPr id="4" name="Picture 3">
             <a:extLst>
               <a:ext uri="{FF2B5EF4-FFF2-40B4-BE49-F238E27FC236}">
-                <a16:creationId xmlns:a16="http://schemas.microsoft.com/office/drawing/2014/main" id="{1CD2BC09-9565-D402-3A46-EA5D7D886105}"/>
+                <a16:creationId xmlns:a16="http://schemas.microsoft.com/office/drawing/2014/main" id="{C7C791FB-DE80-3726-66DE-97E34E1B3333}"/>
               </a:ext>
             </a:extLst>
           </p:cNvPr>
@@ -15669,8 +15717,8 @@
         </p:blipFill>
         <p:spPr>
           <a:xfrm>
-            <a:off x="2542988" y="1134036"/>
-            <a:ext cx="6350000" cy="3467100"/>
+            <a:off x="2663353" y="1058094"/>
+            <a:ext cx="6337212" cy="3460118"/>
           </a:xfrm>
           <a:prstGeom prst="rect">
             <a:avLst/>
@@ -15777,7 +15825,7 @@
         </p:nvSpPr>
         <p:spPr>
           <a:xfrm>
-            <a:off x="5611375" y="759864"/>
+            <a:off x="5611375" y="838200"/>
             <a:ext cx="2761660" cy="2800767"/>
           </a:xfrm>
           <a:prstGeom prst="rect">
@@ -15825,10 +15873,10 @@
       </p:sp>
       <p:pic>
         <p:nvPicPr>
-          <p:cNvPr id="2" name="Picture 1">
+          <p:cNvPr id="3" name="Picture 2">
             <a:extLst>
               <a:ext uri="{FF2B5EF4-FFF2-40B4-BE49-F238E27FC236}">
-                <a16:creationId xmlns:a16="http://schemas.microsoft.com/office/drawing/2014/main" id="{4FBEB926-1414-9955-0CE2-874B445873BE}"/>
+                <a16:creationId xmlns:a16="http://schemas.microsoft.com/office/drawing/2014/main" id="{C11E9117-9D44-A0A4-E137-8AAF05E977F0}"/>
               </a:ext>
             </a:extLst>
           </p:cNvPr>
@@ -15845,8 +15893,8 @@
         </p:blipFill>
         <p:spPr>
           <a:xfrm>
-            <a:off x="304800" y="759864"/>
-            <a:ext cx="5002306" cy="3879629"/>
+            <a:off x="304799" y="838200"/>
+            <a:ext cx="4912659" cy="3810102"/>
           </a:xfrm>
           <a:prstGeom prst="rect">
             <a:avLst/>
